--- a/技术专题分享.pptx
+++ b/技术专题分享.pptx
@@ -4783,6 +4783,67 @@
           <a:chExt cx="0" cy="0"/>
         </a:xfrm>
       </p:grpSpPr>
+      <p:sp>
+        <p:nvSpPr>
+          <p:cNvPr id="4" name="矩形 3"/>
+          <p:cNvSpPr/>
+          <p:nvPr/>
+        </p:nvSpPr>
+        <p:spPr>
+          <a:xfrm>
+            <a:off x="3562350" y="2199640"/>
+            <a:ext cx="2019300" cy="1198880"/>
+          </a:xfrm>
+          <a:prstGeom prst="rect">
+            <a:avLst/>
+          </a:prstGeom>
+          <a:noFill/>
+          <a:ln>
+            <a:noFill/>
+          </a:ln>
+        </p:spPr>
+        <p:txBody>
+          <a:bodyPr wrap="none" rtlCol="0" anchor="t">
+            <a:spAutoFit/>
+          </a:bodyPr>
+          <a:p>
+            <a:pPr algn="ctr"/>
+            <a:r>
+              <a:rPr lang="zh-CN" altLang="en-US" sz="7200" b="1">
+                <a:ln w="22225">
+                  <a:solidFill>
+                    <a:schemeClr val="accent2"/>
+                  </a:solidFill>
+                  <a:prstDash val="solid"/>
+                </a:ln>
+                <a:solidFill>
+                  <a:schemeClr val="accent2">
+                    <a:lumMod val="40000"/>
+                    <a:lumOff val="60000"/>
+                  </a:schemeClr>
+                </a:solidFill>
+                <a:effectLst/>
+              </a:rPr>
+              <a:t>谢谢</a:t>
+            </a:r>
+            <a:endParaRPr lang="zh-CN" altLang="en-US" sz="7200" b="1">
+              <a:ln w="22225">
+                <a:solidFill>
+                  <a:schemeClr val="accent2"/>
+                </a:solidFill>
+                <a:prstDash val="solid"/>
+              </a:ln>
+              <a:solidFill>
+                <a:schemeClr val="accent2">
+                  <a:lumMod val="40000"/>
+                  <a:lumOff val="60000"/>
+                </a:schemeClr>
+              </a:solidFill>
+              <a:effectLst/>
+            </a:endParaRPr>
+          </a:p>
+        </p:txBody>
+      </p:sp>
     </p:spTree>
   </p:cSld>
   <p:clrMapOvr>

--- a/技术专题分享.pptx
+++ b/技术专题分享.pptx
@@ -14,12 +14,12 @@
     <p:sldId id="367" r:id="rId6"/>
     <p:sldId id="364" r:id="rId7"/>
     <p:sldId id="368" r:id="rId8"/>
-    <p:sldId id="369" r:id="rId9"/>
-    <p:sldId id="370" r:id="rId10"/>
-    <p:sldId id="371" r:id="rId11"/>
-    <p:sldId id="372" r:id="rId12"/>
-    <p:sldId id="373" r:id="rId13"/>
-    <p:sldId id="365" r:id="rId14"/>
+    <p:sldId id="370" r:id="rId9"/>
+    <p:sldId id="371" r:id="rId10"/>
+    <p:sldId id="372" r:id="rId11"/>
+    <p:sldId id="373" r:id="rId12"/>
+    <p:sldId id="365" r:id="rId13"/>
+    <p:sldId id="369" r:id="rId14"/>
   </p:sldIdLst>
   <p:sldSz cx="9144000" cy="6858000" type="screen4x3"/>
   <p:notesSz cx="6858000" cy="9144000"/>
@@ -4090,6 +4090,67 @@
           <a:chExt cx="0" cy="0"/>
         </a:xfrm>
       </p:grpSpPr>
+      <p:sp>
+        <p:nvSpPr>
+          <p:cNvPr id="4" name="矩形 3"/>
+          <p:cNvSpPr/>
+          <p:nvPr/>
+        </p:nvSpPr>
+        <p:spPr>
+          <a:xfrm>
+            <a:off x="3562350" y="2199640"/>
+            <a:ext cx="2019300" cy="1198880"/>
+          </a:xfrm>
+          <a:prstGeom prst="rect">
+            <a:avLst/>
+          </a:prstGeom>
+          <a:noFill/>
+          <a:ln>
+            <a:noFill/>
+          </a:ln>
+        </p:spPr>
+        <p:txBody>
+          <a:bodyPr wrap="none" rtlCol="0" anchor="t">
+            <a:spAutoFit/>
+          </a:bodyPr>
+          <a:p>
+            <a:pPr algn="ctr"/>
+            <a:r>
+              <a:rPr lang="zh-CN" altLang="en-US" sz="7200" b="1">
+                <a:ln w="22225">
+                  <a:solidFill>
+                    <a:schemeClr val="accent2"/>
+                  </a:solidFill>
+                  <a:prstDash val="solid"/>
+                </a:ln>
+                <a:solidFill>
+                  <a:schemeClr val="accent2">
+                    <a:lumMod val="40000"/>
+                    <a:lumOff val="60000"/>
+                  </a:schemeClr>
+                </a:solidFill>
+                <a:effectLst/>
+              </a:rPr>
+              <a:t>谢谢</a:t>
+            </a:r>
+            <a:endParaRPr lang="zh-CN" altLang="en-US" sz="7200" b="1">
+              <a:ln w="22225">
+                <a:solidFill>
+                  <a:schemeClr val="accent2"/>
+                </a:solidFill>
+                <a:prstDash val="solid"/>
+              </a:ln>
+              <a:solidFill>
+                <a:schemeClr val="accent2">
+                  <a:lumMod val="40000"/>
+                  <a:lumOff val="60000"/>
+                </a:schemeClr>
+              </a:solidFill>
+              <a:effectLst/>
+            </a:endParaRPr>
+          </a:p>
+        </p:txBody>
+      </p:sp>
     </p:spTree>
   </p:cSld>
   <p:clrMapOvr>
@@ -4783,67 +4844,31 @@
           <a:chExt cx="0" cy="0"/>
         </a:xfrm>
       </p:grpSpPr>
-      <p:sp>
-        <p:nvSpPr>
-          <p:cNvPr id="4" name="矩形 3"/>
-          <p:cNvSpPr/>
+      <p:pic>
+        <p:nvPicPr>
+          <p:cNvPr id="2" name="图片 1" descr="2019-02-26 16-02-29 的屏幕截图"/>
+          <p:cNvPicPr>
+            <a:picLocks noChangeAspect="1"/>
+          </p:cNvPicPr>
           <p:nvPr/>
-        </p:nvSpPr>
+        </p:nvPicPr>
+        <p:blipFill>
+          <a:blip r:embed="rId1"/>
+          <a:srcRect l="-663" t="4739" r="24798" b="21909"/>
+          <a:stretch>
+            <a:fillRect/>
+          </a:stretch>
+        </p:blipFill>
         <p:spPr>
           <a:xfrm>
-            <a:off x="3562350" y="2199640"/>
-            <a:ext cx="2019300" cy="1198880"/>
+            <a:off x="198755" y="871855"/>
+            <a:ext cx="8746490" cy="4845685"/>
           </a:xfrm>
           <a:prstGeom prst="rect">
             <a:avLst/>
           </a:prstGeom>
-          <a:noFill/>
-          <a:ln>
-            <a:noFill/>
-          </a:ln>
-        </p:spPr>
-        <p:txBody>
-          <a:bodyPr wrap="none" rtlCol="0" anchor="t">
-            <a:spAutoFit/>
-          </a:bodyPr>
-          <a:p>
-            <a:pPr algn="ctr"/>
-            <a:r>
-              <a:rPr lang="zh-CN" altLang="en-US" sz="7200" b="1">
-                <a:ln w="22225">
-                  <a:solidFill>
-                    <a:schemeClr val="accent2"/>
-                  </a:solidFill>
-                  <a:prstDash val="solid"/>
-                </a:ln>
-                <a:solidFill>
-                  <a:schemeClr val="accent2">
-                    <a:lumMod val="40000"/>
-                    <a:lumOff val="60000"/>
-                  </a:schemeClr>
-                </a:solidFill>
-                <a:effectLst/>
-              </a:rPr>
-              <a:t>谢谢</a:t>
-            </a:r>
-            <a:endParaRPr lang="zh-CN" altLang="en-US" sz="7200" b="1">
-              <a:ln w="22225">
-                <a:solidFill>
-                  <a:schemeClr val="accent2"/>
-                </a:solidFill>
-                <a:prstDash val="solid"/>
-              </a:ln>
-              <a:solidFill>
-                <a:schemeClr val="accent2">
-                  <a:lumMod val="40000"/>
-                  <a:lumOff val="60000"/>
-                </a:schemeClr>
-              </a:solidFill>
-              <a:effectLst/>
-            </a:endParaRPr>
-          </a:p>
-        </p:txBody>
-      </p:sp>
+        </p:spPr>
+      </p:pic>
     </p:spTree>
   </p:cSld>
   <p:clrMapOvr>
@@ -4876,6 +4901,56 @@
           <a:chExt cx="0" cy="0"/>
         </a:xfrm>
       </p:grpSpPr>
+      <p:pic>
+        <p:nvPicPr>
+          <p:cNvPr id="3" name="图片 2" descr="2019-02-26 16-09-45 的屏幕截图"/>
+          <p:cNvPicPr>
+            <a:picLocks noChangeAspect="1"/>
+          </p:cNvPicPr>
+          <p:nvPr/>
+        </p:nvPicPr>
+        <p:blipFill>
+          <a:blip r:embed="rId1"/>
+          <a:srcRect r="30997" b="38114"/>
+          <a:stretch>
+            <a:fillRect/>
+          </a:stretch>
+        </p:blipFill>
+        <p:spPr>
+          <a:xfrm>
+            <a:off x="226060" y="502285"/>
+            <a:ext cx="8785225" cy="4432300"/>
+          </a:xfrm>
+          <a:prstGeom prst="rect">
+            <a:avLst/>
+          </a:prstGeom>
+        </p:spPr>
+      </p:pic>
+      <p:pic>
+        <p:nvPicPr>
+          <p:cNvPr id="4" name="图片 3" descr="2019-02-26 16-05-58 的屏幕截图"/>
+          <p:cNvPicPr>
+            <a:picLocks noChangeAspect="1"/>
+          </p:cNvPicPr>
+          <p:nvPr/>
+        </p:nvPicPr>
+        <p:blipFill>
+          <a:blip r:embed="rId2"/>
+          <a:srcRect r="14710" b="83883"/>
+          <a:stretch>
+            <a:fillRect/>
+          </a:stretch>
+        </p:blipFill>
+        <p:spPr>
+          <a:xfrm>
+            <a:off x="226060" y="5266055"/>
+            <a:ext cx="8500745" cy="903605"/>
+          </a:xfrm>
+          <a:prstGeom prst="rect">
+            <a:avLst/>
+          </a:prstGeom>
+        </p:spPr>
+      </p:pic>
     </p:spTree>
   </p:cSld>
   <p:clrMapOvr>
@@ -4908,6 +4983,31 @@
           <a:chExt cx="0" cy="0"/>
         </a:xfrm>
       </p:grpSpPr>
+      <p:pic>
+        <p:nvPicPr>
+          <p:cNvPr id="3" name="图片 2" descr="2019-02-26 16-26-49 的屏幕截图"/>
+          <p:cNvPicPr>
+            <a:picLocks noChangeAspect="1"/>
+          </p:cNvPicPr>
+          <p:nvPr/>
+        </p:nvPicPr>
+        <p:blipFill>
+          <a:blip r:embed="rId1"/>
+          <a:srcRect t="39574" r="32380" b="5118"/>
+          <a:stretch>
+            <a:fillRect/>
+          </a:stretch>
+        </p:blipFill>
+        <p:spPr>
+          <a:xfrm>
+            <a:off x="208280" y="1002665"/>
+            <a:ext cx="8728075" cy="4015740"/>
+          </a:xfrm>
+          <a:prstGeom prst="rect">
+            <a:avLst/>
+          </a:prstGeom>
+        </p:spPr>
+      </p:pic>
     </p:spTree>
   </p:cSld>
   <p:clrMapOvr>

--- a/技术专题分享.pptx
+++ b/技术专题分享.pptx
@@ -4026,6 +4026,69 @@
           <a:chExt cx="0" cy="0"/>
         </a:xfrm>
       </p:grpSpPr>
+      <p:sp>
+        <p:nvSpPr>
+          <p:cNvPr id="2" name="文本框 1"/>
+          <p:cNvSpPr txBox="1"/>
+          <p:nvPr/>
+        </p:nvSpPr>
+        <p:spPr>
+          <a:xfrm>
+            <a:off x="2586355" y="620395"/>
+            <a:ext cx="3971290" cy="583565"/>
+          </a:xfrm>
+          <a:prstGeom prst="rect">
+            <a:avLst/>
+          </a:prstGeom>
+          <a:noFill/>
+        </p:spPr>
+        <p:txBody>
+          <a:bodyPr wrap="square" rtlCol="0">
+            <a:spAutoFit/>
+          </a:bodyPr>
+          <a:p>
+            <a:pPr algn="ctr"/>
+            <a:r>
+              <a:rPr lang="en-US" altLang="zh-CN" sz="3200">
+                <a:solidFill>
+                  <a:srgbClr val="FF0000"/>
+                </a:solidFill>
+              </a:rPr>
+              <a:t>Dockerfile</a:t>
+            </a:r>
+            <a:endParaRPr lang="en-US" altLang="zh-CN" sz="3200">
+              <a:solidFill>
+                <a:srgbClr val="FF0000"/>
+              </a:solidFill>
+            </a:endParaRPr>
+          </a:p>
+        </p:txBody>
+      </p:sp>
+      <p:pic>
+        <p:nvPicPr>
+          <p:cNvPr id="3" name="图片 2" descr="2019-02-27 16-13-05 的屏幕截图"/>
+          <p:cNvPicPr>
+            <a:picLocks noChangeAspect="1"/>
+          </p:cNvPicPr>
+          <p:nvPr/>
+        </p:nvPicPr>
+        <p:blipFill>
+          <a:blip r:embed="rId1"/>
+          <a:srcRect l="-6199" t="-6723" r="35265" b="31493"/>
+          <a:stretch>
+            <a:fillRect/>
+          </a:stretch>
+        </p:blipFill>
+        <p:spPr>
+          <a:xfrm>
+            <a:off x="-586740" y="706120"/>
+            <a:ext cx="9468485" cy="5648325"/>
+          </a:xfrm>
+          <a:prstGeom prst="rect">
+            <a:avLst/>
+          </a:prstGeom>
+        </p:spPr>
+      </p:pic>
     </p:spTree>
   </p:cSld>
   <p:clrMapOvr>
@@ -4058,6 +4121,370 @@
           <a:chExt cx="0" cy="0"/>
         </a:xfrm>
       </p:grpSpPr>
+      <p:graphicFrame>
+        <p:nvGraphicFramePr>
+          <p:cNvPr id="2" name="表格 1"/>
+          <p:cNvGraphicFramePr/>
+          <p:nvPr/>
+        </p:nvGraphicFramePr>
+        <p:xfrm>
+          <a:off x="1371600" y="1524000"/>
+          <a:ext cx="6400800" cy="3810000"/>
+        </p:xfrm>
+        <a:graphic>
+          <a:graphicData uri="http://schemas.openxmlformats.org/drawingml/2006/table">
+            <a:tbl>
+              <a:tblPr firstRow="1" bandRow="1">
+                <a:tableStyleId>{5C22544A-7EE6-4342-B048-85BDC9FD1C3A}</a:tableStyleId>
+              </a:tblPr>
+              <a:tblGrid>
+                <a:gridCol w="3200400"/>
+                <a:gridCol w="3200400"/>
+              </a:tblGrid>
+              <a:tr h="381000">
+                <a:tc>
+                  <a:txBody>
+                    <a:bodyPr/>
+                    <a:p>
+                      <a:pPr>
+                        <a:buNone/>
+                      </a:pPr>
+                      <a:r>
+                        <a:rPr lang="zh-CN" altLang="en-US"/>
+                        <a:t>命令</a:t>
+                      </a:r>
+                      <a:endParaRPr lang="zh-CN" altLang="en-US"/>
+                    </a:p>
+                  </a:txBody>
+                  <a:tcPr/>
+                </a:tc>
+                <a:tc>
+                  <a:txBody>
+                    <a:bodyPr/>
+                    <a:p>
+                      <a:pPr>
+                        <a:buNone/>
+                      </a:pPr>
+                      <a:r>
+                        <a:rPr lang="zh-CN" altLang="en-US"/>
+                        <a:t>用途</a:t>
+                      </a:r>
+                      <a:endParaRPr lang="zh-CN" altLang="en-US"/>
+                    </a:p>
+                  </a:txBody>
+                  <a:tcPr/>
+                </a:tc>
+              </a:tr>
+              <a:tr h="381000">
+                <a:tc>
+                  <a:txBody>
+                    <a:bodyPr/>
+                    <a:p>
+                      <a:pPr>
+                        <a:buNone/>
+                      </a:pPr>
+                      <a:r>
+                        <a:rPr lang="en-US" altLang="zh-CN"/>
+                        <a:t>FROM</a:t>
+                      </a:r>
+                      <a:endParaRPr lang="en-US" altLang="zh-CN"/>
+                    </a:p>
+                  </a:txBody>
+                  <a:tcPr/>
+                </a:tc>
+                <a:tc>
+                  <a:txBody>
+                    <a:bodyPr/>
+                    <a:p>
+                      <a:pPr>
+                        <a:buNone/>
+                      </a:pPr>
+                      <a:r>
+                        <a:rPr lang="en-US" altLang="zh-CN"/>
+                        <a:t>base image</a:t>
+                      </a:r>
+                      <a:endParaRPr lang="en-US" altLang="zh-CN"/>
+                    </a:p>
+                  </a:txBody>
+                  <a:tcPr/>
+                </a:tc>
+              </a:tr>
+              <a:tr h="381000">
+                <a:tc>
+                  <a:txBody>
+                    <a:bodyPr/>
+                    <a:p>
+                      <a:pPr>
+                        <a:buNone/>
+                      </a:pPr>
+                      <a:r>
+                        <a:rPr lang="en-US" altLang="zh-CN"/>
+                        <a:t>RUN </a:t>
+                      </a:r>
+                      <a:endParaRPr lang="zh-CN" altLang="en-US"/>
+                    </a:p>
+                  </a:txBody>
+                  <a:tcPr/>
+                </a:tc>
+                <a:tc>
+                  <a:txBody>
+                    <a:bodyPr/>
+                    <a:p>
+                      <a:pPr>
+                        <a:buNone/>
+                      </a:pPr>
+                      <a:r>
+                        <a:rPr lang="zh-CN" altLang="en-US"/>
+                        <a:t>执行命令</a:t>
+                      </a:r>
+                      <a:endParaRPr lang="zh-CN" altLang="en-US"/>
+                    </a:p>
+                  </a:txBody>
+                  <a:tcPr/>
+                </a:tc>
+              </a:tr>
+              <a:tr h="381000">
+                <a:tc>
+                  <a:txBody>
+                    <a:bodyPr/>
+                    <a:p>
+                      <a:pPr>
+                        <a:buNone/>
+                      </a:pPr>
+                      <a:r>
+                        <a:rPr lang="en-US" altLang="zh-CN"/>
+                        <a:t>ADD</a:t>
+                      </a:r>
+                      <a:endParaRPr lang="en-US" altLang="zh-CN"/>
+                    </a:p>
+                  </a:txBody>
+                  <a:tcPr/>
+                </a:tc>
+                <a:tc>
+                  <a:txBody>
+                    <a:bodyPr/>
+                    <a:p>
+                      <a:pPr>
+                        <a:buNone/>
+                      </a:pPr>
+                      <a:r>
+                        <a:rPr lang="zh-CN" altLang="en-US"/>
+                        <a:t>添加文件</a:t>
+                      </a:r>
+                      <a:endParaRPr lang="zh-CN" altLang="en-US"/>
+                    </a:p>
+                  </a:txBody>
+                  <a:tcPr/>
+                </a:tc>
+              </a:tr>
+              <a:tr h="381000">
+                <a:tc>
+                  <a:txBody>
+                    <a:bodyPr/>
+                    <a:p>
+                      <a:pPr>
+                        <a:buNone/>
+                      </a:pPr>
+                      <a:r>
+                        <a:rPr lang="en-US" altLang="zh-CN"/>
+                        <a:t>COPY</a:t>
+                      </a:r>
+                      <a:endParaRPr lang="en-US" altLang="zh-CN"/>
+                    </a:p>
+                  </a:txBody>
+                  <a:tcPr/>
+                </a:tc>
+                <a:tc>
+                  <a:txBody>
+                    <a:bodyPr/>
+                    <a:p>
+                      <a:pPr>
+                        <a:buNone/>
+                      </a:pPr>
+                      <a:r>
+                        <a:rPr lang="zh-CN" altLang="en-US"/>
+                        <a:t>拷贝文件</a:t>
+                      </a:r>
+                      <a:endParaRPr lang="zh-CN" altLang="en-US"/>
+                    </a:p>
+                  </a:txBody>
+                  <a:tcPr/>
+                </a:tc>
+              </a:tr>
+              <a:tr h="381000">
+                <a:tc>
+                  <a:txBody>
+                    <a:bodyPr/>
+                    <a:p>
+                      <a:pPr>
+                        <a:buNone/>
+                      </a:pPr>
+                      <a:r>
+                        <a:rPr lang="en-US" altLang="zh-CN"/>
+                        <a:t>EXPOSE</a:t>
+                      </a:r>
+                      <a:endParaRPr lang="en-US" altLang="zh-CN"/>
+                    </a:p>
+                  </a:txBody>
+                  <a:tcPr/>
+                </a:tc>
+                <a:tc>
+                  <a:txBody>
+                    <a:bodyPr/>
+                    <a:p>
+                      <a:pPr>
+                        <a:buNone/>
+                      </a:pPr>
+                      <a:r>
+                        <a:rPr lang="zh-CN" altLang="en-US"/>
+                        <a:t>暴露端口</a:t>
+                      </a:r>
+                      <a:endParaRPr lang="zh-CN" altLang="en-US"/>
+                    </a:p>
+                  </a:txBody>
+                  <a:tcPr/>
+                </a:tc>
+              </a:tr>
+              <a:tr h="381000">
+                <a:tc>
+                  <a:txBody>
+                    <a:bodyPr/>
+                    <a:p>
+                      <a:pPr>
+                        <a:buNone/>
+                      </a:pPr>
+                      <a:r>
+                        <a:rPr lang="en-US" altLang="zh-CN"/>
+                        <a:t>MAINTARNER</a:t>
+                      </a:r>
+                      <a:endParaRPr lang="en-US" altLang="zh-CN"/>
+                    </a:p>
+                  </a:txBody>
+                  <a:tcPr/>
+                </a:tc>
+                <a:tc>
+                  <a:txBody>
+                    <a:bodyPr/>
+                    <a:p>
+                      <a:pPr>
+                        <a:buNone/>
+                      </a:pPr>
+                      <a:r>
+                        <a:rPr lang="zh-CN" altLang="en-US"/>
+                        <a:t>维护者</a:t>
+                      </a:r>
+                      <a:endParaRPr lang="zh-CN" altLang="en-US"/>
+                    </a:p>
+                  </a:txBody>
+                  <a:tcPr/>
+                </a:tc>
+              </a:tr>
+              <a:tr h="381000">
+                <a:tc>
+                  <a:txBody>
+                    <a:bodyPr/>
+                    <a:p>
+                      <a:pPr>
+                        <a:buNone/>
+                      </a:pPr>
+                      <a:r>
+                        <a:rPr lang="en-US" altLang="zh-CN"/>
+                        <a:t>ENV</a:t>
+                      </a:r>
+                      <a:endParaRPr lang="en-US" altLang="zh-CN"/>
+                    </a:p>
+                  </a:txBody>
+                  <a:tcPr/>
+                </a:tc>
+                <a:tc>
+                  <a:txBody>
+                    <a:bodyPr/>
+                    <a:p>
+                      <a:pPr>
+                        <a:buNone/>
+                      </a:pPr>
+                      <a:r>
+                        <a:rPr lang="zh-CN" altLang="en-US"/>
+                        <a:t>设定环境变量</a:t>
+                      </a:r>
+                      <a:endParaRPr lang="zh-CN" altLang="en-US"/>
+                    </a:p>
+                  </a:txBody>
+                  <a:tcPr/>
+                </a:tc>
+              </a:tr>
+              <a:tr h="381000">
+                <a:tc>
+                  <a:txBody>
+                    <a:bodyPr/>
+                    <a:p>
+                      <a:pPr>
+                        <a:buNone/>
+                      </a:pPr>
+                      <a:r>
+                        <a:rPr lang="en-US" altLang="zh-CN"/>
+                        <a:t>VOLUME</a:t>
+                      </a:r>
+                      <a:endParaRPr lang="en-US" altLang="zh-CN"/>
+                    </a:p>
+                  </a:txBody>
+                  <a:tcPr/>
+                </a:tc>
+                <a:tc>
+                  <a:txBody>
+                    <a:bodyPr/>
+                    <a:p>
+                      <a:pPr>
+                        <a:buNone/>
+                      </a:pPr>
+                      <a:r>
+                        <a:rPr lang="zh-CN" altLang="en-US"/>
+                        <a:t>制定容器挂载的卷</a:t>
+                      </a:r>
+                      <a:endParaRPr lang="zh-CN" altLang="en-US"/>
+                    </a:p>
+                  </a:txBody>
+                  <a:tcPr/>
+                </a:tc>
+              </a:tr>
+              <a:tr h="381000">
+                <a:tc>
+                  <a:txBody>
+                    <a:bodyPr/>
+                    <a:p>
+                      <a:pPr>
+                        <a:buNone/>
+                      </a:pPr>
+                      <a:r>
+                        <a:rPr lang="en-US" altLang="zh-CN"/>
+                        <a:t>ENTRYPOINT</a:t>
+                      </a:r>
+                      <a:endParaRPr lang="en-US" altLang="zh-CN"/>
+                    </a:p>
+                  </a:txBody>
+                  <a:tcPr/>
+                </a:tc>
+                <a:tc>
+                  <a:txBody>
+                    <a:bodyPr/>
+                    <a:p>
+                      <a:pPr>
+                        <a:buNone/>
+                      </a:pPr>
+                      <a:r>
+                        <a:rPr lang="zh-CN" altLang="en-US"/>
+                        <a:t>容器入口</a:t>
+                      </a:r>
+                      <a:endParaRPr lang="zh-CN" altLang="en-US"/>
+                    </a:p>
+                  </a:txBody>
+                  <a:tcPr/>
+                </a:tc>
+              </a:tr>
+            </a:tbl>
+          </a:graphicData>
+        </a:graphic>
+      </p:graphicFrame>
     </p:spTree>
   </p:cSld>
   <p:clrMapOvr>
@@ -4251,7 +4678,7 @@
             </a:r>
             <a:r>
               <a:rPr lang="zh-CN" altLang="en-US"/>
-              <a:t>Docker 是一个开源的应用容器引擎， 可以让开发者打包他们的应用以及依赖包到一个轻量级、可移植的容器中，然后发布到任何流行的 Linux 机器上，也可以实现虚拟化。容器是完全使用沙箱机制，相互之间不会有任何接口（类似 iPhone 的 app）,更重要的是容器性能开销极低。最重要的是，他们不依赖于任何语言、框架包括系统。</a:t>
+              <a:t>Docker 是一个开源的应用容器引擎， 可以让开发者打包他们的应用以及依赖包到一个轻量级、可移植的容器中，然后发布到任何流行的 Linux 机器上，实现虚拟化。容器是完全使用沙箱机制，相互之间不会有任何接口（类似 iPhone 的 app）,而且容器性能开销极低，他们不依赖于任何语言、框架包括系统。</a:t>
             </a:r>
             <a:endParaRPr lang="zh-CN" altLang="en-US"/>
           </a:p>
